--- a/SOA治理与微服务/SOA治理与微服务.pptx
+++ b/SOA治理与微服务/SOA治理与微服务.pptx
@@ -127,6 +127,22 @@
       </a:defRPr>
     </a:lvl9pPr>
   </p:defaultTextStyle>
+  <p:extLst>
+    <p:ext uri="{EFAFB233-063F-42B5-8137-9DF3F51BA10A}">
+      <p15:sldGuideLst xmlns:p15="http://schemas.microsoft.com/office/powerpoint/2012/main">
+        <p15:guide id="1" orient="horz" pos="2160">
+          <p15:clr>
+            <a:srgbClr val="A4A3A4"/>
+          </p15:clr>
+        </p15:guide>
+        <p15:guide id="2" pos="2880">
+          <p15:clr>
+            <a:srgbClr val="A4A3A4"/>
+          </p15:clr>
+        </p15:guide>
+      </p15:sldGuideLst>
+    </p:ext>
+  </p:extLst>
 </p:presentation>
 </file>
 
@@ -3805,7 +3821,7 @@
           <a:p>
             <a:fld id="{E45CAED5-394F-E941-8905-2F3D49560E04}" type="datetimeFigureOut">
               <a:rPr lang="en-US" smtClean="0"/>
-              <a:t>15/7/3</a:t>
+              <a:t>2/15/16</a:t>
             </a:fld>
             <a:endParaRPr lang="en-US"/>
           </a:p>
@@ -5072,6 +5088,11 @@
         </p:txBody>
       </p:sp>
     </p:spTree>
+    <p:extLst>
+      <p:ext uri="{BB962C8B-B14F-4D97-AF65-F5344CB8AC3E}">
+        <p14:creationId xmlns:p14="http://schemas.microsoft.com/office/powerpoint/2010/main" val="1319365088"/>
+      </p:ext>
+    </p:extLst>
   </p:cSld>
   <p:clrMapOvr>
     <a:masterClrMapping/>
@@ -5118,7 +5139,7 @@
           </a:ln>
           <a:extLst>
             <a:ext uri="{909E8E84-426E-40dd-AFC4-6F175D3DCCD1}">
-              <a14:hiddenFill xmlns:a14="http://schemas.microsoft.com/office/drawing/2010/main">
+              <a14:hiddenFill xmlns:a14="http://schemas.microsoft.com/office/drawing/2010/main" xmlns="">
                 <a:solidFill>
                   <a:srgbClr val="FFFFFF"/>
                 </a:solidFill>
@@ -5141,14 +5162,14 @@
           <a:noFill/>
           <a:extLst>
             <a:ext uri="{909E8E84-426E-40dd-AFC4-6F175D3DCCD1}">
-              <a14:hiddenFill xmlns:a14="http://schemas.microsoft.com/office/drawing/2010/main">
+              <a14:hiddenFill xmlns:a14="http://schemas.microsoft.com/office/drawing/2010/main" xmlns="">
                 <a:solidFill>
                   <a:srgbClr val="FFFFFF"/>
                 </a:solidFill>
               </a14:hiddenFill>
             </a:ext>
             <a:ext uri="{91240B29-F687-4f45-9708-019B960494DF}">
-              <a14:hiddenLine xmlns:a14="http://schemas.microsoft.com/office/drawing/2010/main" w="9525">
+              <a14:hiddenLine xmlns:a14="http://schemas.microsoft.com/office/drawing/2010/main" xmlns="" w="9525">
                 <a:solidFill>
                   <a:srgbClr val="000000"/>
                 </a:solidFill>
@@ -5228,6 +5249,11 @@
         </p:txBody>
       </p:sp>
     </p:spTree>
+    <p:extLst>
+      <p:ext uri="{BB962C8B-B14F-4D97-AF65-F5344CB8AC3E}">
+        <p14:creationId xmlns:p14="http://schemas.microsoft.com/office/powerpoint/2010/main" val="1800378741"/>
+      </p:ext>
+    </p:extLst>
   </p:cSld>
   <p:clrMapOvr>
     <a:masterClrMapping/>
@@ -5931,7 +5957,7 @@
             <a:pPr algn="l" eaLnBrk="1" latinLnBrk="0" hangingPunct="1"/>
             <a:fld id="{48D92626-37D2-4832-BF7A-BC283494A20D}" type="datetimeFigureOut">
               <a:rPr lang="en-US" smtClean="0"/>
-              <a:t>15/7/3</a:t>
+              <a:t>2/15/16</a:t>
             </a:fld>
             <a:endParaRPr lang="en-US"/>
           </a:p>
@@ -6132,7 +6158,7 @@
           <a:p>
             <a:fld id="{48D92626-37D2-4832-BF7A-BC283494A20D}" type="datetimeFigureOut">
               <a:rPr lang="en-US" smtClean="0"/>
-              <a:t>15/7/3</a:t>
+              <a:t>2/15/16</a:t>
             </a:fld>
             <a:endParaRPr lang="en-US"/>
           </a:p>
@@ -6320,7 +6346,7 @@
           <a:p>
             <a:fld id="{48D92626-37D2-4832-BF7A-BC283494A20D}" type="datetimeFigureOut">
               <a:rPr lang="en-US" smtClean="0"/>
-              <a:t>15/7/3</a:t>
+              <a:t>2/15/16</a:t>
             </a:fld>
             <a:endParaRPr lang="en-US"/>
           </a:p>
@@ -6549,7 +6575,7 @@
           <a:p>
             <a:fld id="{48D92626-37D2-4832-BF7A-BC283494A20D}" type="datetimeFigureOut">
               <a:rPr lang="en-US" smtClean="0"/>
-              <a:t>15/7/3</a:t>
+              <a:t>2/15/16</a:t>
             </a:fld>
             <a:endParaRPr lang="en-US"/>
           </a:p>
@@ -6831,7 +6857,7 @@
             <a:pPr algn="l" eaLnBrk="1" latinLnBrk="0" hangingPunct="1"/>
             <a:fld id="{48D92626-37D2-4832-BF7A-BC283494A20D}" type="datetimeFigureOut">
               <a:rPr lang="en-US" smtClean="0"/>
-              <a:t>15/7/3</a:t>
+              <a:t>2/15/16</a:t>
             </a:fld>
             <a:endParaRPr lang="en-US"/>
           </a:p>
@@ -7126,7 +7152,7 @@
           <a:p>
             <a:fld id="{48D92626-37D2-4832-BF7A-BC283494A20D}" type="datetimeFigureOut">
               <a:rPr lang="en-US" smtClean="0"/>
-              <a:t>15/7/3</a:t>
+              <a:t>2/15/16</a:t>
             </a:fld>
             <a:endParaRPr lang="en-US"/>
           </a:p>
@@ -7680,7 +7706,7 @@
           <a:p>
             <a:fld id="{48D92626-37D2-4832-BF7A-BC283494A20D}" type="datetimeFigureOut">
               <a:rPr lang="en-US" smtClean="0"/>
-              <a:t>15/7/3</a:t>
+              <a:t>2/15/16</a:t>
             </a:fld>
             <a:endParaRPr lang="en-US"/>
           </a:p>
@@ -7811,7 +7837,7 @@
           <a:p>
             <a:fld id="{48D92626-37D2-4832-BF7A-BC283494A20D}" type="datetimeFigureOut">
               <a:rPr lang="en-US" smtClean="0"/>
-              <a:t>15/7/3</a:t>
+              <a:t>2/15/16</a:t>
             </a:fld>
             <a:endParaRPr lang="en-US"/>
           </a:p>
@@ -7961,7 +7987,7 @@
           <a:p>
             <a:fld id="{48D92626-37D2-4832-BF7A-BC283494A20D}" type="datetimeFigureOut">
               <a:rPr lang="en-US" smtClean="0"/>
-              <a:t>15/7/3</a:t>
+              <a:t>2/15/16</a:t>
             </a:fld>
             <a:endParaRPr lang="en-US"/>
           </a:p>
@@ -8283,7 +8309,7 @@
             <a:pPr algn="l" eaLnBrk="1" latinLnBrk="0" hangingPunct="1"/>
             <a:fld id="{48D92626-37D2-4832-BF7A-BC283494A20D}" type="datetimeFigureOut">
               <a:rPr lang="en-US" smtClean="0"/>
-              <a:t>15/7/3</a:t>
+              <a:t>2/15/16</a:t>
             </a:fld>
             <a:endParaRPr lang="en-US"/>
           </a:p>
@@ -8588,7 +8614,7 @@
             <a:pPr algn="l" eaLnBrk="1" latinLnBrk="0" hangingPunct="1"/>
             <a:fld id="{48D92626-37D2-4832-BF7A-BC283494A20D}" type="datetimeFigureOut">
               <a:rPr lang="en-US" smtClean="0"/>
-              <a:t>15/7/3</a:t>
+              <a:t>2/15/16</a:t>
             </a:fld>
             <a:endParaRPr lang="en-US"/>
           </a:p>
@@ -8849,7 +8875,7 @@
             <a:pPr algn="l" eaLnBrk="1" latinLnBrk="0" hangingPunct="1"/>
             <a:fld id="{48D92626-37D2-4832-BF7A-BC283494A20D}" type="datetimeFigureOut">
               <a:rPr lang="en-US" smtClean="0"/>
-              <a:t>15/7/3</a:t>
+              <a:t>2/15/16</a:t>
             </a:fld>
             <a:endParaRPr lang="en-US" sz="1300" dirty="0">
               <a:solidFill>
@@ -9434,7 +9460,7 @@
   <p:timing>
     <p:tnLst>
       <p:par>
-        <p:cTn xmlns:p14="http://schemas.microsoft.com/office/powerpoint/2010/main" id="1" dur="indefinite" restart="never" nodeType="tmRoot"/>
+        <p:cTn id="1" dur="indefinite" restart="never" nodeType="tmRoot"/>
       </p:par>
     </p:tnLst>
   </p:timing>
@@ -11148,14 +11174,14 @@
           <a:effectLst/>
           <a:extLst>
             <a:ext uri="{909E8E84-426E-40dd-AFC4-6F175D3DCCD1}">
-              <a14:hiddenFill xmlns:a14="http://schemas.microsoft.com/office/drawing/2010/main">
+              <a14:hiddenFill xmlns:a14="http://schemas.microsoft.com/office/drawing/2010/main" xmlns="">
                 <a:solidFill>
                   <a:schemeClr val="accent1"/>
                 </a:solidFill>
               </a14:hiddenFill>
             </a:ext>
             <a:ext uri="{91240B29-F687-4f45-9708-019B960494DF}">
-              <a14:hiddenLine xmlns:a14="http://schemas.microsoft.com/office/drawing/2010/main" w="9525">
+              <a14:hiddenLine xmlns:a14="http://schemas.microsoft.com/office/drawing/2010/main" xmlns="" w="9525">
                 <a:solidFill>
                   <a:schemeClr val="tx1"/>
                 </a:solidFill>
@@ -11165,7 +11191,7 @@
               </a14:hiddenLine>
             </a:ext>
             <a:ext uri="{AF507438-7753-43e0-B8FC-AC1667EBCBE1}">
-              <a14:hiddenEffects xmlns:a14="http://schemas.microsoft.com/office/drawing/2010/main">
+              <a14:hiddenEffects xmlns:a14="http://schemas.microsoft.com/office/drawing/2010/main" xmlns="">
                 <a:effectLst>
                   <a:outerShdw dist="35921" dir="2700000" algn="ctr" rotWithShape="0">
                     <a:schemeClr val="bg2"/>
@@ -11212,14 +11238,14 @@
           <a:effectLst/>
           <a:extLst>
             <a:ext uri="{909E8E84-426E-40dd-AFC4-6F175D3DCCD1}">
-              <a14:hiddenFill xmlns:a14="http://schemas.microsoft.com/office/drawing/2010/main">
+              <a14:hiddenFill xmlns:a14="http://schemas.microsoft.com/office/drawing/2010/main" xmlns="">
                 <a:solidFill>
                   <a:schemeClr val="accent1"/>
                 </a:solidFill>
               </a14:hiddenFill>
             </a:ext>
             <a:ext uri="{91240B29-F687-4f45-9708-019B960494DF}">
-              <a14:hiddenLine xmlns:a14="http://schemas.microsoft.com/office/drawing/2010/main" w="9525">
+              <a14:hiddenLine xmlns:a14="http://schemas.microsoft.com/office/drawing/2010/main" xmlns="" w="9525">
                 <a:solidFill>
                   <a:schemeClr val="tx1"/>
                 </a:solidFill>
@@ -11229,7 +11255,7 @@
               </a14:hiddenLine>
             </a:ext>
             <a:ext uri="{AF507438-7753-43e0-B8FC-AC1667EBCBE1}">
-              <a14:hiddenEffects xmlns:a14="http://schemas.microsoft.com/office/drawing/2010/main">
+              <a14:hiddenEffects xmlns:a14="http://schemas.microsoft.com/office/drawing/2010/main" xmlns="">
                 <a:effectLst>
                   <a:outerShdw dist="35921" dir="2700000" algn="ctr" rotWithShape="0">
                     <a:schemeClr val="bg2"/>
@@ -11529,7 +11555,7 @@
   <p:timing>
     <p:tnLst>
       <p:par>
-        <p:cTn xmlns:p14="http://schemas.microsoft.com/office/powerpoint/2010/main" id="1" dur="indefinite" restart="never" nodeType="tmRoot">
+        <p:cTn id="1" dur="indefinite" restart="never" nodeType="tmRoot">
           <p:childTnLst>
             <p:seq concurrent="1" nextAc="seek">
               <p:cTn id="2" dur="indefinite" nodeType="mainSeq">
@@ -11767,14 +11793,14 @@
           <a:effectLst/>
           <a:extLst>
             <a:ext uri="{909E8E84-426E-40dd-AFC4-6F175D3DCCD1}">
-              <a14:hiddenFill xmlns:a14="http://schemas.microsoft.com/office/drawing/2010/main">
+              <a14:hiddenFill xmlns:a14="http://schemas.microsoft.com/office/drawing/2010/main" xmlns="">
                 <a:solidFill>
                   <a:schemeClr val="accent1"/>
                 </a:solidFill>
               </a14:hiddenFill>
             </a:ext>
             <a:ext uri="{91240B29-F687-4f45-9708-019B960494DF}">
-              <a14:hiddenLine xmlns:a14="http://schemas.microsoft.com/office/drawing/2010/main" w="9525">
+              <a14:hiddenLine xmlns:a14="http://schemas.microsoft.com/office/drawing/2010/main" xmlns="" w="9525">
                 <a:solidFill>
                   <a:schemeClr val="tx1"/>
                 </a:solidFill>
@@ -11784,7 +11810,7 @@
               </a14:hiddenLine>
             </a:ext>
             <a:ext uri="{AF507438-7753-43e0-B8FC-AC1667EBCBE1}">
-              <a14:hiddenEffects xmlns:a14="http://schemas.microsoft.com/office/drawing/2010/main">
+              <a14:hiddenEffects xmlns:a14="http://schemas.microsoft.com/office/drawing/2010/main" xmlns="">
                 <a:effectLst>
                   <a:outerShdw dist="35921" dir="2700000" algn="ctr" rotWithShape="0">
                     <a:schemeClr val="bg2"/>
@@ -11831,14 +11857,14 @@
           <a:effectLst/>
           <a:extLst>
             <a:ext uri="{909E8E84-426E-40dd-AFC4-6F175D3DCCD1}">
-              <a14:hiddenFill xmlns:a14="http://schemas.microsoft.com/office/drawing/2010/main">
+              <a14:hiddenFill xmlns:a14="http://schemas.microsoft.com/office/drawing/2010/main" xmlns="">
                 <a:solidFill>
                   <a:schemeClr val="accent1"/>
                 </a:solidFill>
               </a14:hiddenFill>
             </a:ext>
             <a:ext uri="{91240B29-F687-4f45-9708-019B960494DF}">
-              <a14:hiddenLine xmlns:a14="http://schemas.microsoft.com/office/drawing/2010/main" w="9525">
+              <a14:hiddenLine xmlns:a14="http://schemas.microsoft.com/office/drawing/2010/main" xmlns="" w="9525">
                 <a:solidFill>
                   <a:schemeClr val="tx1"/>
                 </a:solidFill>
@@ -11848,7 +11874,7 @@
               </a14:hiddenLine>
             </a:ext>
             <a:ext uri="{AF507438-7753-43e0-B8FC-AC1667EBCBE1}">
-              <a14:hiddenEffects xmlns:a14="http://schemas.microsoft.com/office/drawing/2010/main">
+              <a14:hiddenEffects xmlns:a14="http://schemas.microsoft.com/office/drawing/2010/main" xmlns="">
                 <a:effectLst>
                   <a:outerShdw dist="35921" dir="2700000" algn="ctr" rotWithShape="0">
                     <a:schemeClr val="bg2"/>
@@ -12633,7 +12659,7 @@
   <p:timing>
     <p:tnLst>
       <p:par>
-        <p:cTn xmlns:p14="http://schemas.microsoft.com/office/powerpoint/2010/main" id="1" dur="indefinite" restart="never" nodeType="tmRoot">
+        <p:cTn id="1" dur="indefinite" restart="never" nodeType="tmRoot">
           <p:childTnLst>
             <p:seq concurrent="1" nextAc="seek">
               <p:cTn id="2" dur="indefinite" nodeType="mainSeq">
@@ -12797,14 +12823,14 @@
           <a:effectLst/>
           <a:extLst>
             <a:ext uri="{909E8E84-426E-40dd-AFC4-6F175D3DCCD1}">
-              <a14:hiddenFill xmlns:a14="http://schemas.microsoft.com/office/drawing/2010/main">
+              <a14:hiddenFill xmlns:a14="http://schemas.microsoft.com/office/drawing/2010/main" xmlns="">
                 <a:solidFill>
                   <a:schemeClr val="accent1"/>
                 </a:solidFill>
               </a14:hiddenFill>
             </a:ext>
             <a:ext uri="{91240B29-F687-4f45-9708-019B960494DF}">
-              <a14:hiddenLine xmlns:a14="http://schemas.microsoft.com/office/drawing/2010/main" w="9525">
+              <a14:hiddenLine xmlns:a14="http://schemas.microsoft.com/office/drawing/2010/main" xmlns="" w="9525">
                 <a:solidFill>
                   <a:schemeClr val="tx1"/>
                 </a:solidFill>
@@ -12814,7 +12840,7 @@
               </a14:hiddenLine>
             </a:ext>
             <a:ext uri="{AF507438-7753-43e0-B8FC-AC1667EBCBE1}">
-              <a14:hiddenEffects xmlns:a14="http://schemas.microsoft.com/office/drawing/2010/main">
+              <a14:hiddenEffects xmlns:a14="http://schemas.microsoft.com/office/drawing/2010/main" xmlns="">
                 <a:effectLst>
                   <a:outerShdw dist="35921" dir="2700000" algn="ctr" rotWithShape="0">
                     <a:schemeClr val="bg2"/>
@@ -12861,14 +12887,14 @@
           <a:effectLst/>
           <a:extLst>
             <a:ext uri="{909E8E84-426E-40dd-AFC4-6F175D3DCCD1}">
-              <a14:hiddenFill xmlns:a14="http://schemas.microsoft.com/office/drawing/2010/main">
+              <a14:hiddenFill xmlns:a14="http://schemas.microsoft.com/office/drawing/2010/main" xmlns="">
                 <a:solidFill>
                   <a:schemeClr val="accent1"/>
                 </a:solidFill>
               </a14:hiddenFill>
             </a:ext>
             <a:ext uri="{91240B29-F687-4f45-9708-019B960494DF}">
-              <a14:hiddenLine xmlns:a14="http://schemas.microsoft.com/office/drawing/2010/main" w="9525">
+              <a14:hiddenLine xmlns:a14="http://schemas.microsoft.com/office/drawing/2010/main" xmlns="" w="9525">
                 <a:solidFill>
                   <a:schemeClr val="tx1"/>
                 </a:solidFill>
@@ -12878,7 +12904,7 @@
               </a14:hiddenLine>
             </a:ext>
             <a:ext uri="{AF507438-7753-43e0-B8FC-AC1667EBCBE1}">
-              <a14:hiddenEffects xmlns:a14="http://schemas.microsoft.com/office/drawing/2010/main">
+              <a14:hiddenEffects xmlns:a14="http://schemas.microsoft.com/office/drawing/2010/main" xmlns="">
                 <a:effectLst>
                   <a:outerShdw dist="35921" dir="2700000" algn="ctr" rotWithShape="0">
                     <a:schemeClr val="bg2"/>
@@ -12925,14 +12951,14 @@
           <a:effectLst/>
           <a:extLst>
             <a:ext uri="{909E8E84-426E-40dd-AFC4-6F175D3DCCD1}">
-              <a14:hiddenFill xmlns:a14="http://schemas.microsoft.com/office/drawing/2010/main">
+              <a14:hiddenFill xmlns:a14="http://schemas.microsoft.com/office/drawing/2010/main" xmlns="">
                 <a:solidFill>
                   <a:schemeClr val="accent1"/>
                 </a:solidFill>
               </a14:hiddenFill>
             </a:ext>
             <a:ext uri="{91240B29-F687-4f45-9708-019B960494DF}">
-              <a14:hiddenLine xmlns:a14="http://schemas.microsoft.com/office/drawing/2010/main" w="9525">
+              <a14:hiddenLine xmlns:a14="http://schemas.microsoft.com/office/drawing/2010/main" xmlns="" w="9525">
                 <a:solidFill>
                   <a:schemeClr val="tx1"/>
                 </a:solidFill>
@@ -12942,7 +12968,7 @@
               </a14:hiddenLine>
             </a:ext>
             <a:ext uri="{AF507438-7753-43e0-B8FC-AC1667EBCBE1}">
-              <a14:hiddenEffects xmlns:a14="http://schemas.microsoft.com/office/drawing/2010/main">
+              <a14:hiddenEffects xmlns:a14="http://schemas.microsoft.com/office/drawing/2010/main" xmlns="">
                 <a:effectLst>
                   <a:outerShdw dist="35921" dir="2700000" algn="ctr" rotWithShape="0">
                     <a:schemeClr val="bg2"/>
@@ -12953,110 +12979,157 @@
           </a:extLst>
         </p:spPr>
       </p:pic>
-      <p:sp>
-        <p:nvSpPr>
-          <p:cNvPr id="9" name="矩形 8"/>
-          <p:cNvSpPr/>
+      <p:grpSp>
+        <p:nvGrpSpPr>
+          <p:cNvPr id="3" name="组 2"/>
+          <p:cNvGrpSpPr/>
           <p:nvPr/>
-        </p:nvSpPr>
-        <p:spPr>
+        </p:nvGrpSpPr>
+        <p:grpSpPr>
           <a:xfrm>
             <a:off x="869770" y="2780926"/>
             <a:ext cx="7302630" cy="2520281"/>
+            <a:chOff x="869770" y="2780926"/>
+            <a:chExt cx="7302630" cy="2520281"/>
           </a:xfrm>
-          <a:prstGeom prst="rect">
-            <a:avLst/>
-          </a:prstGeom>
-          <a:solidFill>
-            <a:schemeClr val="tx1">
-              <a:lumMod val="50000"/>
-              <a:lumOff val="50000"/>
-              <a:alpha val="89000"/>
-            </a:schemeClr>
-          </a:solidFill>
-          <a:ln>
-            <a:noFill/>
-          </a:ln>
-        </p:spPr>
-        <p:style>
-          <a:lnRef idx="2">
-            <a:schemeClr val="accent1">
-              <a:shade val="50000"/>
-            </a:schemeClr>
-          </a:lnRef>
-          <a:fillRef idx="1">
-            <a:schemeClr val="accent1"/>
-          </a:fillRef>
-          <a:effectRef idx="0">
-            <a:schemeClr val="accent1"/>
-          </a:effectRef>
-          <a:fontRef idx="minor">
-            <a:schemeClr val="lt1"/>
-          </a:fontRef>
-        </p:style>
-        <p:txBody>
-          <a:bodyPr rtlCol="0" anchor="ctr"/>
-          <a:lstStyle/>
-          <a:p>
-            <a:pPr>
-              <a:lnSpc>
-                <a:spcPct val="150000"/>
-              </a:lnSpc>
-            </a:pPr>
-            <a:r>
-              <a:rPr lang="en-US" altLang="zh-CN" sz="3200" i="1" smtClean="0"/>
-              <a:t>You </a:t>
-            </a:r>
-            <a:r>
-              <a:rPr lang="en-US" altLang="zh-CN" sz="3200" i="1"/>
-              <a:t>only need one service to destory you business.</a:t>
-            </a:r>
-          </a:p>
-          <a:p>
-            <a:pPr algn="r"/>
-            <a:r>
-              <a:rPr lang="en-US" altLang="zh-CN" sz="3200"/>
-              <a:t>—Gartner</a:t>
-            </a:r>
-            <a:endParaRPr lang="zh-CN" altLang="en-US" sz="3200"/>
-          </a:p>
-        </p:txBody>
-      </p:sp>
-      <p:cxnSp>
-        <p:nvCxnSpPr>
-          <p:cNvPr id="10" name="直接连接符 9"/>
-          <p:cNvCxnSpPr/>
-          <p:nvPr/>
-        </p:nvCxnSpPr>
-        <p:spPr>
-          <a:xfrm>
-            <a:off x="3275856" y="3789040"/>
-            <a:ext cx="4248472" cy="0"/>
-          </a:xfrm>
-          <a:prstGeom prst="line">
-            <a:avLst/>
-          </a:prstGeom>
-          <a:ln w="38100">
+        </p:grpSpPr>
+        <p:sp>
+          <p:nvSpPr>
+            <p:cNvPr id="9" name="矩形 8"/>
+            <p:cNvSpPr/>
+            <p:nvPr/>
+          </p:nvSpPr>
+          <p:spPr>
+            <a:xfrm>
+              <a:off x="869770" y="2780926"/>
+              <a:ext cx="7302630" cy="2520281"/>
+            </a:xfrm>
+            <a:prstGeom prst="rect">
+              <a:avLst/>
+            </a:prstGeom>
             <a:solidFill>
-              <a:srgbClr val="FF0000"/>
+              <a:schemeClr val="tx1">
+                <a:lumMod val="50000"/>
+                <a:lumOff val="50000"/>
+                <a:alpha val="89000"/>
+              </a:schemeClr>
             </a:solidFill>
-          </a:ln>
-        </p:spPr>
-        <p:style>
-          <a:lnRef idx="1">
-            <a:schemeClr val="accent1"/>
-          </a:lnRef>
-          <a:fillRef idx="0">
-            <a:schemeClr val="accent1"/>
-          </a:fillRef>
-          <a:effectRef idx="0">
-            <a:schemeClr val="accent1"/>
-          </a:effectRef>
-          <a:fontRef idx="minor">
-            <a:schemeClr val="tx1"/>
-          </a:fontRef>
-        </p:style>
-      </p:cxnSp>
+            <a:ln>
+              <a:noFill/>
+            </a:ln>
+          </p:spPr>
+          <p:style>
+            <a:lnRef idx="2">
+              <a:schemeClr val="accent1">
+                <a:shade val="50000"/>
+              </a:schemeClr>
+            </a:lnRef>
+            <a:fillRef idx="1">
+              <a:schemeClr val="accent1"/>
+            </a:fillRef>
+            <a:effectRef idx="0">
+              <a:schemeClr val="accent1"/>
+            </a:effectRef>
+            <a:fontRef idx="minor">
+              <a:schemeClr val="lt1"/>
+            </a:fontRef>
+          </p:style>
+          <p:txBody>
+            <a:bodyPr rtlCol="0" anchor="ctr"/>
+            <a:lstStyle/>
+            <a:p>
+              <a:pPr>
+                <a:lnSpc>
+                  <a:spcPct val="150000"/>
+                </a:lnSpc>
+              </a:pPr>
+              <a:r>
+                <a:rPr lang="en-US" altLang="zh-CN" sz="3200" i="1" dirty="0" smtClean="0">
+                  <a:solidFill>
+                    <a:srgbClr val="FF0000"/>
+                  </a:solidFill>
+                </a:rPr>
+                <a:t>You </a:t>
+              </a:r>
+              <a:r>
+                <a:rPr lang="en-US" altLang="zh-CN" sz="3200" i="1" dirty="0">
+                  <a:solidFill>
+                    <a:srgbClr val="FF0000"/>
+                  </a:solidFill>
+                </a:rPr>
+                <a:t>only need one service to </a:t>
+              </a:r>
+              <a:r>
+                <a:rPr lang="en-US" altLang="zh-CN" sz="3200" i="1" dirty="0" err="1">
+                  <a:solidFill>
+                    <a:srgbClr val="FF0000"/>
+                  </a:solidFill>
+                </a:rPr>
+                <a:t>destory</a:t>
+              </a:r>
+              <a:r>
+                <a:rPr lang="en-US" altLang="zh-CN" sz="3200" i="1" dirty="0">
+                  <a:solidFill>
+                    <a:srgbClr val="FF0000"/>
+                  </a:solidFill>
+                </a:rPr>
+                <a:t> you business.</a:t>
+              </a:r>
+            </a:p>
+            <a:p>
+              <a:pPr algn="r"/>
+              <a:r>
+                <a:rPr lang="en-US" altLang="zh-CN" sz="3200" dirty="0">
+                  <a:solidFill>
+                    <a:srgbClr val="FF0000"/>
+                  </a:solidFill>
+                </a:rPr>
+                <a:t>—Gartner</a:t>
+              </a:r>
+              <a:endParaRPr lang="zh-CN" altLang="en-US" sz="3200" dirty="0">
+                <a:solidFill>
+                  <a:srgbClr val="FF0000"/>
+                </a:solidFill>
+              </a:endParaRPr>
+            </a:p>
+          </p:txBody>
+        </p:sp>
+        <p:cxnSp>
+          <p:nvCxnSpPr>
+            <p:cNvPr id="10" name="直接连接符 9"/>
+            <p:cNvCxnSpPr/>
+            <p:nvPr/>
+          </p:nvCxnSpPr>
+          <p:spPr>
+            <a:xfrm>
+              <a:off x="3275856" y="3789040"/>
+              <a:ext cx="4248472" cy="0"/>
+            </a:xfrm>
+            <a:prstGeom prst="line">
+              <a:avLst/>
+            </a:prstGeom>
+            <a:ln w="38100">
+              <a:solidFill>
+                <a:srgbClr val="FF0000"/>
+              </a:solidFill>
+            </a:ln>
+          </p:spPr>
+          <p:style>
+            <a:lnRef idx="1">
+              <a:schemeClr val="accent1"/>
+            </a:lnRef>
+            <a:fillRef idx="0">
+              <a:schemeClr val="accent1"/>
+            </a:fillRef>
+            <a:effectRef idx="0">
+              <a:schemeClr val="accent1"/>
+            </a:effectRef>
+            <a:fontRef idx="minor">
+              <a:schemeClr val="tx1"/>
+            </a:fontRef>
+          </p:style>
+        </p:cxnSp>
+      </p:grpSp>
       <p:pic>
         <p:nvPicPr>
           <p:cNvPr id="6146" name="Picture 2"/>
@@ -13080,7 +13153,7 @@
         </p:blipFill>
         <p:spPr bwMode="auto">
           <a:xfrm>
-            <a:off x="0" y="-12593"/>
+            <a:off x="0" y="0"/>
             <a:ext cx="9144000" cy="6830171"/>
           </a:xfrm>
           <a:prstGeom prst="rect">
@@ -13093,14 +13166,14 @@
           <a:effectLst/>
           <a:extLst>
             <a:ext uri="{909E8E84-426E-40dd-AFC4-6F175D3DCCD1}">
-              <a14:hiddenFill xmlns:a14="http://schemas.microsoft.com/office/drawing/2010/main">
+              <a14:hiddenFill xmlns:a14="http://schemas.microsoft.com/office/drawing/2010/main" xmlns="">
                 <a:solidFill>
                   <a:schemeClr val="accent1"/>
                 </a:solidFill>
               </a14:hiddenFill>
             </a:ext>
             <a:ext uri="{91240B29-F687-4f45-9708-019B960494DF}">
-              <a14:hiddenLine xmlns:a14="http://schemas.microsoft.com/office/drawing/2010/main" w="9525">
+              <a14:hiddenLine xmlns:a14="http://schemas.microsoft.com/office/drawing/2010/main" xmlns="" w="9525">
                 <a:solidFill>
                   <a:schemeClr val="tx1"/>
                 </a:solidFill>
@@ -13110,7 +13183,7 @@
               </a14:hiddenLine>
             </a:ext>
             <a:ext uri="{AF507438-7753-43e0-B8FC-AC1667EBCBE1}">
-              <a14:hiddenEffects xmlns:a14="http://schemas.microsoft.com/office/drawing/2010/main">
+              <a14:hiddenEffects xmlns:a14="http://schemas.microsoft.com/office/drawing/2010/main" xmlns="">
                 <a:effectLst>
                   <a:outerShdw dist="35921" dir="2700000" algn="ctr" rotWithShape="0">
                     <a:schemeClr val="bg2"/>
@@ -13134,7 +13207,7 @@
   <p:timing>
     <p:tnLst>
       <p:par>
-        <p:cTn xmlns:p14="http://schemas.microsoft.com/office/powerpoint/2010/main" id="1" dur="indefinite" restart="never" nodeType="tmRoot">
+        <p:cTn id="1" dur="indefinite" restart="never" nodeType="tmRoot">
           <p:childTnLst>
             <p:seq concurrent="1" nextAc="seek">
               <p:cTn id="2" dur="indefinite" nodeType="mainSeq">
@@ -13152,7 +13225,7 @@
                             </p:stCondLst>
                             <p:childTnLst>
                               <p:par>
-                                <p:cTn id="5" presetID="1" presetClass="entr" presetSubtype="0" fill="hold" grpId="0" nodeType="clickEffect">
+                                <p:cTn id="5" presetID="3" presetClass="entr" presetSubtype="10" fill="hold" nodeType="clickEffect">
                                   <p:stCondLst>
                                     <p:cond delay="0"/>
                                   </p:stCondLst>
@@ -13165,7 +13238,7 @@
                                           </p:stCondLst>
                                         </p:cTn>
                                         <p:tgtEl>
-                                          <p:spTgt spid="9"/>
+                                          <p:spTgt spid="3"/>
                                         </p:tgtEl>
                                         <p:attrNameLst>
                                           <p:attrName>style.visibility</p:attrName>
@@ -13175,6 +13248,14 @@
                                         <p:strVal val="visible"/>
                                       </p:to>
                                     </p:set>
+                                    <p:animEffect transition="in" filter="blinds(horizontal)">
+                                      <p:cBhvr>
+                                        <p:cTn id="7" dur="500"/>
+                                        <p:tgtEl>
+                                          <p:spTgt spid="3"/>
+                                        </p:tgtEl>
+                                      </p:cBhvr>
+                                    </p:animEffect>
                                   </p:childTnLst>
                                 </p:cTn>
                               </p:par>
@@ -13185,26 +13266,26 @@
                     </p:cTn>
                   </p:par>
                   <p:par>
-                    <p:cTn id="7" fill="hold">
+                    <p:cTn id="8" fill="hold">
                       <p:stCondLst>
                         <p:cond delay="indefinite"/>
                       </p:stCondLst>
                       <p:childTnLst>
                         <p:par>
-                          <p:cTn id="8" fill="hold">
+                          <p:cTn id="9" fill="hold">
                             <p:stCondLst>
                               <p:cond delay="0"/>
                             </p:stCondLst>
                             <p:childTnLst>
                               <p:par>
-                                <p:cTn id="9" presetID="42" presetClass="entr" presetSubtype="0" fill="hold" nodeType="clickEffect">
+                                <p:cTn id="10" presetID="42" presetClass="entr" presetSubtype="0" fill="hold" nodeType="clickEffect">
                                   <p:stCondLst>
                                     <p:cond delay="0"/>
                                   </p:stCondLst>
                                   <p:childTnLst>
                                     <p:set>
                                       <p:cBhvr>
-                                        <p:cTn id="10" dur="1" fill="hold">
+                                        <p:cTn id="11" dur="1" fill="hold">
                                           <p:stCondLst>
                                             <p:cond delay="0"/>
                                           </p:stCondLst>
@@ -13222,7 +13303,7 @@
                                     </p:set>
                                     <p:animEffect transition="in" filter="fade">
                                       <p:cBhvr>
-                                        <p:cTn id="11" dur="1000"/>
+                                        <p:cTn id="12" dur="1000"/>
                                         <p:tgtEl>
                                           <p:spTgt spid="6146"/>
                                         </p:tgtEl>
@@ -13230,7 +13311,7 @@
                                     </p:animEffect>
                                     <p:anim calcmode="lin" valueType="num">
                                       <p:cBhvr>
-                                        <p:cTn id="12" dur="1000" fill="hold"/>
+                                        <p:cTn id="13" dur="1000" fill="hold"/>
                                         <p:tgtEl>
                                           <p:spTgt spid="6146"/>
                                         </p:tgtEl>
@@ -13253,7 +13334,7 @@
                                     </p:anim>
                                     <p:anim calcmode="lin" valueType="num">
                                       <p:cBhvr>
-                                        <p:cTn id="13" dur="1000" fill="hold"/>
+                                        <p:cTn id="14" dur="1000" fill="hold"/>
                                         <p:tgtEl>
                                           <p:spTgt spid="6146"/>
                                         </p:tgtEl>
@@ -13304,9 +13385,6 @@
         </p:cTn>
       </p:par>
     </p:tnLst>
-    <p:bldLst>
-      <p:bldP spid="9" grpId="0" animBg="1"/>
-    </p:bldLst>
   </p:timing>
 </p:sld>
 </file>
@@ -13430,14 +13508,14 @@
           <a:effectLst/>
           <a:extLst>
             <a:ext uri="{909E8E84-426E-40dd-AFC4-6F175D3DCCD1}">
-              <a14:hiddenFill xmlns:a14="http://schemas.microsoft.com/office/drawing/2010/main">
+              <a14:hiddenFill xmlns:a14="http://schemas.microsoft.com/office/drawing/2010/main" xmlns="">
                 <a:solidFill>
                   <a:schemeClr val="accent1"/>
                 </a:solidFill>
               </a14:hiddenFill>
             </a:ext>
             <a:ext uri="{91240B29-F687-4f45-9708-019B960494DF}">
-              <a14:hiddenLine xmlns:a14="http://schemas.microsoft.com/office/drawing/2010/main" w="9525">
+              <a14:hiddenLine xmlns:a14="http://schemas.microsoft.com/office/drawing/2010/main" xmlns="" w="9525">
                 <a:solidFill>
                   <a:schemeClr val="tx1"/>
                 </a:solidFill>
@@ -13447,7 +13525,7 @@
               </a14:hiddenLine>
             </a:ext>
             <a:ext uri="{AF507438-7753-43e0-B8FC-AC1667EBCBE1}">
-              <a14:hiddenEffects xmlns:a14="http://schemas.microsoft.com/office/drawing/2010/main">
+              <a14:hiddenEffects xmlns:a14="http://schemas.microsoft.com/office/drawing/2010/main" xmlns="">
                 <a:effectLst>
                   <a:outerShdw dist="35921" dir="2700000" algn="ctr" rotWithShape="0">
                     <a:schemeClr val="bg2"/>
@@ -13719,7 +13797,7 @@
   <p:timing>
     <p:tnLst>
       <p:par>
-        <p:cTn xmlns:p14="http://schemas.microsoft.com/office/powerpoint/2010/main" id="1" dur="indefinite" restart="never" nodeType="tmRoot">
+        <p:cTn id="1" dur="indefinite" restart="never" nodeType="tmRoot">
           <p:childTnLst>
             <p:seq concurrent="1" nextAc="seek">
               <p:cTn id="2" dur="indefinite" nodeType="mainSeq">
@@ -15634,14 +15712,14 @@
           <a:effectLst/>
           <a:extLst>
             <a:ext uri="{909E8E84-426E-40dd-AFC4-6F175D3DCCD1}">
-              <a14:hiddenFill xmlns:a14="http://schemas.microsoft.com/office/drawing/2010/main">
+              <a14:hiddenFill xmlns:a14="http://schemas.microsoft.com/office/drawing/2010/main" xmlns="">
                 <a:solidFill>
                   <a:schemeClr val="accent1"/>
                 </a:solidFill>
               </a14:hiddenFill>
             </a:ext>
             <a:ext uri="{91240B29-F687-4f45-9708-019B960494DF}">
-              <a14:hiddenLine xmlns:a14="http://schemas.microsoft.com/office/drawing/2010/main" w="9525">
+              <a14:hiddenLine xmlns:a14="http://schemas.microsoft.com/office/drawing/2010/main" xmlns="" w="9525">
                 <a:solidFill>
                   <a:schemeClr val="tx1"/>
                 </a:solidFill>
@@ -15651,7 +15729,7 @@
               </a14:hiddenLine>
             </a:ext>
             <a:ext uri="{AF507438-7753-43e0-B8FC-AC1667EBCBE1}">
-              <a14:hiddenEffects xmlns:a14="http://schemas.microsoft.com/office/drawing/2010/main">
+              <a14:hiddenEffects xmlns:a14="http://schemas.microsoft.com/office/drawing/2010/main" xmlns="">
                 <a:effectLst>
                   <a:outerShdw dist="35921" dir="2700000" algn="ctr" rotWithShape="0">
                     <a:schemeClr val="bg2"/>
@@ -15758,14 +15836,14 @@
           <a:effectLst/>
           <a:extLst>
             <a:ext uri="{909E8E84-426E-40dd-AFC4-6F175D3DCCD1}">
-              <a14:hiddenFill xmlns:a14="http://schemas.microsoft.com/office/drawing/2010/main">
+              <a14:hiddenFill xmlns:a14="http://schemas.microsoft.com/office/drawing/2010/main" xmlns="">
                 <a:solidFill>
                   <a:schemeClr val="accent1"/>
                 </a:solidFill>
               </a14:hiddenFill>
             </a:ext>
             <a:ext uri="{91240B29-F687-4f45-9708-019B960494DF}">
-              <a14:hiddenLine xmlns:a14="http://schemas.microsoft.com/office/drawing/2010/main" w="9525">
+              <a14:hiddenLine xmlns:a14="http://schemas.microsoft.com/office/drawing/2010/main" xmlns="" w="9525">
                 <a:solidFill>
                   <a:schemeClr val="tx1"/>
                 </a:solidFill>
@@ -15775,7 +15853,7 @@
               </a14:hiddenLine>
             </a:ext>
             <a:ext uri="{AF507438-7753-43e0-B8FC-AC1667EBCBE1}">
-              <a14:hiddenEffects xmlns:a14="http://schemas.microsoft.com/office/drawing/2010/main">
+              <a14:hiddenEffects xmlns:a14="http://schemas.microsoft.com/office/drawing/2010/main" xmlns="">
                 <a:effectLst>
                   <a:outerShdw dist="35921" dir="2700000" algn="ctr" rotWithShape="0">
                     <a:schemeClr val="bg2"/>
@@ -16052,14 +16130,14 @@
           <a:effectLst/>
           <a:extLst>
             <a:ext uri="{909E8E84-426E-40dd-AFC4-6F175D3DCCD1}">
-              <a14:hiddenFill xmlns:a14="http://schemas.microsoft.com/office/drawing/2010/main">
+              <a14:hiddenFill xmlns:a14="http://schemas.microsoft.com/office/drawing/2010/main" xmlns="">
                 <a:solidFill>
                   <a:schemeClr val="accent1"/>
                 </a:solidFill>
               </a14:hiddenFill>
             </a:ext>
             <a:ext uri="{91240B29-F687-4f45-9708-019B960494DF}">
-              <a14:hiddenLine xmlns:a14="http://schemas.microsoft.com/office/drawing/2010/main" w="9525">
+              <a14:hiddenLine xmlns:a14="http://schemas.microsoft.com/office/drawing/2010/main" xmlns="" w="9525">
                 <a:solidFill>
                   <a:schemeClr val="tx1"/>
                 </a:solidFill>
@@ -16069,7 +16147,7 @@
               </a14:hiddenLine>
             </a:ext>
             <a:ext uri="{AF507438-7753-43e0-B8FC-AC1667EBCBE1}">
-              <a14:hiddenEffects xmlns:a14="http://schemas.microsoft.com/office/drawing/2010/main">
+              <a14:hiddenEffects xmlns:a14="http://schemas.microsoft.com/office/drawing/2010/main" xmlns="">
                 <a:effectLst>
                   <a:outerShdw dist="35921" dir="2700000" algn="ctr" rotWithShape="0">
                     <a:schemeClr val="bg2"/>
@@ -16563,7 +16641,7 @@
   <p:timing>
     <p:tnLst>
       <p:par>
-        <p:cTn xmlns:p14="http://schemas.microsoft.com/office/powerpoint/2010/main" id="1" dur="indefinite" restart="never" nodeType="tmRoot"/>
+        <p:cTn id="1" dur="indefinite" restart="never" nodeType="tmRoot"/>
       </p:par>
     </p:tnLst>
   </p:timing>
@@ -16735,7 +16813,7 @@
   <p:timing>
     <p:tnLst>
       <p:par>
-        <p:cTn xmlns:p14="http://schemas.microsoft.com/office/powerpoint/2010/main" id="1" dur="indefinite" restart="never" nodeType="tmRoot"/>
+        <p:cTn id="1" dur="indefinite" restart="never" nodeType="tmRoot"/>
       </p:par>
     </p:tnLst>
   </p:timing>
@@ -17009,7 +17087,7 @@
   <p:timing>
     <p:tnLst>
       <p:par>
-        <p:cTn xmlns:p14="http://schemas.microsoft.com/office/powerpoint/2010/main" id="1" dur="indefinite" restart="never" nodeType="tmRoot"/>
+        <p:cTn id="1" dur="indefinite" restart="never" nodeType="tmRoot"/>
       </p:par>
     </p:tnLst>
   </p:timing>
@@ -17069,14 +17147,14 @@
           <a:effectLst/>
           <a:extLst>
             <a:ext uri="{909E8E84-426E-40dd-AFC4-6F175D3DCCD1}">
-              <a14:hiddenFill xmlns:a14="http://schemas.microsoft.com/office/drawing/2010/main">
+              <a14:hiddenFill xmlns:a14="http://schemas.microsoft.com/office/drawing/2010/main" xmlns="">
                 <a:solidFill>
                   <a:schemeClr val="accent1"/>
                 </a:solidFill>
               </a14:hiddenFill>
             </a:ext>
             <a:ext uri="{91240B29-F687-4f45-9708-019B960494DF}">
-              <a14:hiddenLine xmlns:a14="http://schemas.microsoft.com/office/drawing/2010/main" w="9525">
+              <a14:hiddenLine xmlns:a14="http://schemas.microsoft.com/office/drawing/2010/main" xmlns="" w="9525">
                 <a:solidFill>
                   <a:schemeClr val="tx1"/>
                 </a:solidFill>
@@ -17086,7 +17164,7 @@
               </a14:hiddenLine>
             </a:ext>
             <a:ext uri="{AF507438-7753-43e0-B8FC-AC1667EBCBE1}">
-              <a14:hiddenEffects xmlns:a14="http://schemas.microsoft.com/office/drawing/2010/main">
+              <a14:hiddenEffects xmlns:a14="http://schemas.microsoft.com/office/drawing/2010/main" xmlns="">
                 <a:effectLst>
                   <a:outerShdw dist="35921" dir="2700000" algn="ctr" rotWithShape="0">
                     <a:schemeClr val="bg2"/>
@@ -17183,7 +17261,7 @@
   <p:timing>
     <p:tnLst>
       <p:par>
-        <p:cTn xmlns:p14="http://schemas.microsoft.com/office/powerpoint/2010/main" id="1" dur="indefinite" restart="never" nodeType="tmRoot">
+        <p:cTn id="1" dur="indefinite" restart="never" nodeType="tmRoot">
           <p:childTnLst>
             <p:seq concurrent="1" nextAc="seek">
               <p:cTn id="2" dur="indefinite" nodeType="mainSeq">
@@ -17579,7 +17657,7 @@
   <p:timing>
     <p:tnLst>
       <p:par>
-        <p:cTn xmlns:p14="http://schemas.microsoft.com/office/powerpoint/2010/main" id="1" dur="indefinite" restart="never" nodeType="tmRoot"/>
+        <p:cTn id="1" dur="indefinite" restart="never" nodeType="tmRoot"/>
       </p:par>
     </p:tnLst>
   </p:timing>
@@ -17752,14 +17830,14 @@
           </a:ln>
           <a:extLst>
             <a:ext uri="{909E8E84-426E-40dd-AFC4-6F175D3DCCD1}">
-              <a14:hiddenFill xmlns:a14="http://schemas.microsoft.com/office/drawing/2010/main">
+              <a14:hiddenFill xmlns:a14="http://schemas.microsoft.com/office/drawing/2010/main" xmlns="">
                 <a:solidFill>
                   <a:schemeClr val="accent1"/>
                 </a:solidFill>
               </a14:hiddenFill>
             </a:ext>
             <a:ext uri="{91240B29-F687-4f45-9708-019B960494DF}">
-              <a14:hiddenLine xmlns:a14="http://schemas.microsoft.com/office/drawing/2010/main" w="9525">
+              <a14:hiddenLine xmlns:a14="http://schemas.microsoft.com/office/drawing/2010/main" xmlns="" w="9525">
                 <a:solidFill>
                   <a:schemeClr val="tx1"/>
                 </a:solidFill>
@@ -17784,7 +17862,7 @@
   <p:timing>
     <p:tnLst>
       <p:par>
-        <p:cTn xmlns:p14="http://schemas.microsoft.com/office/powerpoint/2010/main" id="1" dur="indefinite" restart="never" nodeType="tmRoot"/>
+        <p:cTn id="1" dur="indefinite" restart="never" nodeType="tmRoot"/>
       </p:par>
     </p:tnLst>
   </p:timing>
@@ -18096,7 +18174,7 @@
   <p:timing>
     <p:tnLst>
       <p:par>
-        <p:cTn xmlns:p14="http://schemas.microsoft.com/office/powerpoint/2010/main" id="1" dur="indefinite" restart="never" nodeType="tmRoot"/>
+        <p:cTn id="1" dur="indefinite" restart="never" nodeType="tmRoot"/>
       </p:par>
     </p:tnLst>
   </p:timing>
@@ -18418,7 +18496,7 @@
   <p:timing>
     <p:tnLst>
       <p:par>
-        <p:cTn xmlns:p14="http://schemas.microsoft.com/office/powerpoint/2010/main" id="1" dur="indefinite" restart="never" nodeType="tmRoot"/>
+        <p:cTn id="1" dur="indefinite" restart="never" nodeType="tmRoot"/>
       </p:par>
     </p:tnLst>
   </p:timing>
@@ -19894,7 +19972,7 @@
   <p:timing>
     <p:tnLst>
       <p:par>
-        <p:cTn xmlns:p14="http://schemas.microsoft.com/office/powerpoint/2010/main" id="1" dur="indefinite" restart="never" nodeType="tmRoot"/>
+        <p:cTn id="1" dur="indefinite" restart="never" nodeType="tmRoot"/>
       </p:par>
     </p:tnLst>
   </p:timing>
@@ -19992,14 +20070,14 @@
           <a:effectLst/>
           <a:extLst>
             <a:ext uri="{909E8E84-426E-40dd-AFC4-6F175D3DCCD1}">
-              <a14:hiddenFill xmlns:a14="http://schemas.microsoft.com/office/drawing/2010/main">
+              <a14:hiddenFill xmlns:a14="http://schemas.microsoft.com/office/drawing/2010/main" xmlns="">
                 <a:solidFill>
                   <a:schemeClr val="accent1"/>
                 </a:solidFill>
               </a14:hiddenFill>
             </a:ext>
             <a:ext uri="{AF507438-7753-43e0-B8FC-AC1667EBCBE1}">
-              <a14:hiddenEffects xmlns:a14="http://schemas.microsoft.com/office/drawing/2010/main">
+              <a14:hiddenEffects xmlns:a14="http://schemas.microsoft.com/office/drawing/2010/main" xmlns="">
                 <a:effectLst>
                   <a:outerShdw dist="35921" dir="2700000" algn="ctr" rotWithShape="0">
                     <a:schemeClr val="bg2"/>
@@ -20046,14 +20124,14 @@
           <a:effectLst/>
           <a:extLst>
             <a:ext uri="{909E8E84-426E-40dd-AFC4-6F175D3DCCD1}">
-              <a14:hiddenFill xmlns:a14="http://schemas.microsoft.com/office/drawing/2010/main">
+              <a14:hiddenFill xmlns:a14="http://schemas.microsoft.com/office/drawing/2010/main" xmlns="">
                 <a:solidFill>
                   <a:schemeClr val="accent1"/>
                 </a:solidFill>
               </a14:hiddenFill>
             </a:ext>
             <a:ext uri="{91240B29-F687-4f45-9708-019B960494DF}">
-              <a14:hiddenLine xmlns:a14="http://schemas.microsoft.com/office/drawing/2010/main" w="9525">
+              <a14:hiddenLine xmlns:a14="http://schemas.microsoft.com/office/drawing/2010/main" xmlns="" w="9525">
                 <a:solidFill>
                   <a:schemeClr val="tx1"/>
                 </a:solidFill>
@@ -20063,7 +20141,7 @@
               </a14:hiddenLine>
             </a:ext>
             <a:ext uri="{AF507438-7753-43e0-B8FC-AC1667EBCBE1}">
-              <a14:hiddenEffects xmlns:a14="http://schemas.microsoft.com/office/drawing/2010/main">
+              <a14:hiddenEffects xmlns:a14="http://schemas.microsoft.com/office/drawing/2010/main" xmlns="">
                 <a:effectLst>
                   <a:outerShdw dist="35921" dir="2700000" algn="ctr" rotWithShape="0">
                     <a:schemeClr val="bg2"/>
@@ -20153,7 +20231,7 @@
   <p:timing>
     <p:tnLst>
       <p:par>
-        <p:cTn xmlns:p14="http://schemas.microsoft.com/office/powerpoint/2010/main" id="1" dur="indefinite" restart="never" nodeType="tmRoot">
+        <p:cTn id="1" dur="indefinite" restart="never" nodeType="tmRoot">
           <p:childTnLst>
             <p:seq concurrent="1" nextAc="seek">
               <p:cTn id="2" dur="indefinite" nodeType="mainSeq">
@@ -21039,14 +21117,14 @@
           <a:effectLst/>
           <a:extLst>
             <a:ext uri="{909E8E84-426E-40dd-AFC4-6F175D3DCCD1}">
-              <a14:hiddenFill xmlns:a14="http://schemas.microsoft.com/office/drawing/2010/main">
+              <a14:hiddenFill xmlns:a14="http://schemas.microsoft.com/office/drawing/2010/main" xmlns="">
                 <a:solidFill>
                   <a:schemeClr val="accent1"/>
                 </a:solidFill>
               </a14:hiddenFill>
             </a:ext>
             <a:ext uri="{91240B29-F687-4f45-9708-019B960494DF}">
-              <a14:hiddenLine xmlns:a14="http://schemas.microsoft.com/office/drawing/2010/main" w="9525">
+              <a14:hiddenLine xmlns:a14="http://schemas.microsoft.com/office/drawing/2010/main" xmlns="" w="9525">
                 <a:solidFill>
                   <a:schemeClr val="tx1"/>
                 </a:solidFill>
@@ -21056,7 +21134,7 @@
               </a14:hiddenLine>
             </a:ext>
             <a:ext uri="{AF507438-7753-43e0-B8FC-AC1667EBCBE1}">
-              <a14:hiddenEffects xmlns:a14="http://schemas.microsoft.com/office/drawing/2010/main">
+              <a14:hiddenEffects xmlns:a14="http://schemas.microsoft.com/office/drawing/2010/main" xmlns="">
                 <a:effectLst>
                   <a:outerShdw dist="35921" dir="2700000" algn="ctr" rotWithShape="0">
                     <a:schemeClr val="bg2"/>
@@ -21103,14 +21181,14 @@
           <a:effectLst/>
           <a:extLst>
             <a:ext uri="{909E8E84-426E-40dd-AFC4-6F175D3DCCD1}">
-              <a14:hiddenFill xmlns:a14="http://schemas.microsoft.com/office/drawing/2010/main">
+              <a14:hiddenFill xmlns:a14="http://schemas.microsoft.com/office/drawing/2010/main" xmlns="">
                 <a:solidFill>
                   <a:schemeClr val="accent1"/>
                 </a:solidFill>
               </a14:hiddenFill>
             </a:ext>
             <a:ext uri="{91240B29-F687-4f45-9708-019B960494DF}">
-              <a14:hiddenLine xmlns:a14="http://schemas.microsoft.com/office/drawing/2010/main" w="9525">
+              <a14:hiddenLine xmlns:a14="http://schemas.microsoft.com/office/drawing/2010/main" xmlns="" w="9525">
                 <a:solidFill>
                   <a:schemeClr val="tx1"/>
                 </a:solidFill>
@@ -21120,7 +21198,7 @@
               </a14:hiddenLine>
             </a:ext>
             <a:ext uri="{AF507438-7753-43e0-B8FC-AC1667EBCBE1}">
-              <a14:hiddenEffects xmlns:a14="http://schemas.microsoft.com/office/drawing/2010/main">
+              <a14:hiddenEffects xmlns:a14="http://schemas.microsoft.com/office/drawing/2010/main" xmlns="">
                 <a:effectLst>
                   <a:outerShdw dist="35921" dir="2700000" algn="ctr" rotWithShape="0">
                     <a:schemeClr val="bg2"/>
@@ -22219,7 +22297,7 @@
   <p:timing>
     <p:tnLst>
       <p:par>
-        <p:cTn xmlns:p14="http://schemas.microsoft.com/office/powerpoint/2010/main" id="1" dur="indefinite" restart="never" nodeType="tmRoot">
+        <p:cTn id="1" dur="indefinite" restart="never" nodeType="tmRoot">
           <p:childTnLst>
             <p:seq concurrent="1" nextAc="seek">
               <p:cTn id="2" dur="indefinite" nodeType="mainSeq">
@@ -24013,14 +24091,14 @@
           <a:effectLst/>
           <a:extLst>
             <a:ext uri="{909E8E84-426E-40dd-AFC4-6F175D3DCCD1}">
-              <a14:hiddenFill xmlns:a14="http://schemas.microsoft.com/office/drawing/2010/main">
+              <a14:hiddenFill xmlns:a14="http://schemas.microsoft.com/office/drawing/2010/main" xmlns="">
                 <a:solidFill>
                   <a:schemeClr val="accent1"/>
                 </a:solidFill>
               </a14:hiddenFill>
             </a:ext>
             <a:ext uri="{91240B29-F687-4f45-9708-019B960494DF}">
-              <a14:hiddenLine xmlns:a14="http://schemas.microsoft.com/office/drawing/2010/main" w="9525">
+              <a14:hiddenLine xmlns:a14="http://schemas.microsoft.com/office/drawing/2010/main" xmlns="" w="9525">
                 <a:solidFill>
                   <a:schemeClr val="tx1"/>
                 </a:solidFill>
@@ -24030,7 +24108,7 @@
               </a14:hiddenLine>
             </a:ext>
             <a:ext uri="{AF507438-7753-43e0-B8FC-AC1667EBCBE1}">
-              <a14:hiddenEffects xmlns:a14="http://schemas.microsoft.com/office/drawing/2010/main">
+              <a14:hiddenEffects xmlns:a14="http://schemas.microsoft.com/office/drawing/2010/main" xmlns="">
                 <a:effectLst>
                   <a:outerShdw dist="35921" dir="2700000" algn="ctr" rotWithShape="0">
                     <a:schemeClr val="bg2"/>
@@ -24077,14 +24155,14 @@
           <a:effectLst/>
           <a:extLst>
             <a:ext uri="{909E8E84-426E-40dd-AFC4-6F175D3DCCD1}">
-              <a14:hiddenFill xmlns:a14="http://schemas.microsoft.com/office/drawing/2010/main">
+              <a14:hiddenFill xmlns:a14="http://schemas.microsoft.com/office/drawing/2010/main" xmlns="">
                 <a:solidFill>
                   <a:schemeClr val="accent1"/>
                 </a:solidFill>
               </a14:hiddenFill>
             </a:ext>
             <a:ext uri="{91240B29-F687-4f45-9708-019B960494DF}">
-              <a14:hiddenLine xmlns:a14="http://schemas.microsoft.com/office/drawing/2010/main" w="9525">
+              <a14:hiddenLine xmlns:a14="http://schemas.microsoft.com/office/drawing/2010/main" xmlns="" w="9525">
                 <a:solidFill>
                   <a:schemeClr val="tx1"/>
                 </a:solidFill>
@@ -24094,7 +24172,7 @@
               </a14:hiddenLine>
             </a:ext>
             <a:ext uri="{AF507438-7753-43e0-B8FC-AC1667EBCBE1}">
-              <a14:hiddenEffects xmlns:a14="http://schemas.microsoft.com/office/drawing/2010/main">
+              <a14:hiddenEffects xmlns:a14="http://schemas.microsoft.com/office/drawing/2010/main" xmlns="">
                 <a:effectLst>
                   <a:outerShdw dist="35921" dir="2700000" algn="ctr" rotWithShape="0">
                     <a:schemeClr val="bg2"/>
@@ -24334,7 +24412,7 @@
   <p:timing>
     <p:tnLst>
       <p:par>
-        <p:cTn xmlns:p14="http://schemas.microsoft.com/office/powerpoint/2010/main" id="1" dur="indefinite" restart="never" nodeType="tmRoot">
+        <p:cTn id="1" dur="indefinite" restart="never" nodeType="tmRoot">
           <p:childTnLst>
             <p:seq concurrent="1" nextAc="seek">
               <p:cTn id="2" dur="indefinite" nodeType="mainSeq">
@@ -26178,14 +26256,14 @@
           <a:effectLst/>
           <a:extLst>
             <a:ext uri="{909E8E84-426E-40dd-AFC4-6F175D3DCCD1}">
-              <a14:hiddenFill xmlns:a14="http://schemas.microsoft.com/office/drawing/2010/main">
+              <a14:hiddenFill xmlns:a14="http://schemas.microsoft.com/office/drawing/2010/main" xmlns="">
                 <a:solidFill>
                   <a:schemeClr val="accent1"/>
                 </a:solidFill>
               </a14:hiddenFill>
             </a:ext>
             <a:ext uri="{91240B29-F687-4f45-9708-019B960494DF}">
-              <a14:hiddenLine xmlns:a14="http://schemas.microsoft.com/office/drawing/2010/main" w="9525">
+              <a14:hiddenLine xmlns:a14="http://schemas.microsoft.com/office/drawing/2010/main" xmlns="" w="9525">
                 <a:solidFill>
                   <a:schemeClr val="tx1"/>
                 </a:solidFill>
@@ -26195,7 +26273,7 @@
               </a14:hiddenLine>
             </a:ext>
             <a:ext uri="{AF507438-7753-43e0-B8FC-AC1667EBCBE1}">
-              <a14:hiddenEffects xmlns:a14="http://schemas.microsoft.com/office/drawing/2010/main">
+              <a14:hiddenEffects xmlns:a14="http://schemas.microsoft.com/office/drawing/2010/main" xmlns="">
                 <a:effectLst>
                   <a:outerShdw dist="35921" dir="2700000" algn="ctr" rotWithShape="0">
                     <a:schemeClr val="bg2"/>
@@ -26242,14 +26320,14 @@
           <a:effectLst/>
           <a:extLst>
             <a:ext uri="{909E8E84-426E-40dd-AFC4-6F175D3DCCD1}">
-              <a14:hiddenFill xmlns:a14="http://schemas.microsoft.com/office/drawing/2010/main">
+              <a14:hiddenFill xmlns:a14="http://schemas.microsoft.com/office/drawing/2010/main" xmlns="">
                 <a:solidFill>
                   <a:schemeClr val="accent1"/>
                 </a:solidFill>
               </a14:hiddenFill>
             </a:ext>
             <a:ext uri="{91240B29-F687-4f45-9708-019B960494DF}">
-              <a14:hiddenLine xmlns:a14="http://schemas.microsoft.com/office/drawing/2010/main" w="9525">
+              <a14:hiddenLine xmlns:a14="http://schemas.microsoft.com/office/drawing/2010/main" xmlns="" w="9525">
                 <a:solidFill>
                   <a:schemeClr val="tx1"/>
                 </a:solidFill>
@@ -26259,7 +26337,7 @@
               </a14:hiddenLine>
             </a:ext>
             <a:ext uri="{AF507438-7753-43e0-B8FC-AC1667EBCBE1}">
-              <a14:hiddenEffects xmlns:a14="http://schemas.microsoft.com/office/drawing/2010/main">
+              <a14:hiddenEffects xmlns:a14="http://schemas.microsoft.com/office/drawing/2010/main" xmlns="">
                 <a:effectLst>
                   <a:outerShdw dist="35921" dir="2700000" algn="ctr" rotWithShape="0">
                     <a:schemeClr val="bg2"/>
@@ -26938,7 +27016,7 @@
   <p:timing>
     <p:tnLst>
       <p:par>
-        <p:cTn xmlns:p14="http://schemas.microsoft.com/office/powerpoint/2010/main" id="1" dur="indefinite" restart="never" nodeType="tmRoot">
+        <p:cTn id="1" dur="indefinite" restart="never" nodeType="tmRoot">
           <p:childTnLst>
             <p:seq concurrent="1" nextAc="seek">
               <p:cTn id="2" dur="indefinite" nodeType="mainSeq">
